--- a/presentazione/presentazione.pptx
+++ b/presentazione/presentazione.pptx
@@ -202,7 +202,7 @@
           <a:p>
             <a:fld id="{16789449-43E5-48F9-B324-C30D705C15EC}" type="datetimeFigureOut">
               <a:rPr lang="it-IT" smtClean="0"/>
-              <a:t>09/06/2022</a:t>
+              <a:t>10/06/2022</a:t>
             </a:fld>
             <a:endParaRPr lang="it-IT"/>
           </a:p>
@@ -863,7 +863,7 @@
           <a:p>
             <a:fld id="{20C4E752-2741-4535-BEB8-C53172E5FED5}" type="datetimeFigureOut">
               <a:rPr lang="it-IT" smtClean="0"/>
-              <a:t>09/06/2022</a:t>
+              <a:t>10/06/2022</a:t>
             </a:fld>
             <a:endParaRPr lang="it-IT"/>
           </a:p>
@@ -1071,7 +1071,7 @@
           <a:p>
             <a:fld id="{20C4E752-2741-4535-BEB8-C53172E5FED5}" type="datetimeFigureOut">
               <a:rPr lang="it-IT" smtClean="0"/>
-              <a:t>09/06/2022</a:t>
+              <a:t>10/06/2022</a:t>
             </a:fld>
             <a:endParaRPr lang="it-IT"/>
           </a:p>
@@ -1327,7 +1327,7 @@
           <a:p>
             <a:fld id="{20C4E752-2741-4535-BEB8-C53172E5FED5}" type="datetimeFigureOut">
               <a:rPr lang="it-IT" smtClean="0"/>
-              <a:t>09/06/2022</a:t>
+              <a:t>10/06/2022</a:t>
             </a:fld>
             <a:endParaRPr lang="it-IT"/>
           </a:p>
@@ -1501,7 +1501,7 @@
           <a:p>
             <a:fld id="{20C4E752-2741-4535-BEB8-C53172E5FED5}" type="datetimeFigureOut">
               <a:rPr lang="it-IT" smtClean="0"/>
-              <a:t>09/06/2022</a:t>
+              <a:t>10/06/2022</a:t>
             </a:fld>
             <a:endParaRPr lang="it-IT"/>
           </a:p>
@@ -1844,7 +1844,7 @@
           <a:p>
             <a:fld id="{20C4E752-2741-4535-BEB8-C53172E5FED5}" type="datetimeFigureOut">
               <a:rPr lang="it-IT" smtClean="0"/>
-              <a:t>09/06/2022</a:t>
+              <a:t>10/06/2022</a:t>
             </a:fld>
             <a:endParaRPr lang="it-IT"/>
           </a:p>
@@ -2119,7 +2119,7 @@
           <a:p>
             <a:fld id="{20C4E752-2741-4535-BEB8-C53172E5FED5}" type="datetimeFigureOut">
               <a:rPr lang="it-IT" smtClean="0"/>
-              <a:t>09/06/2022</a:t>
+              <a:t>10/06/2022</a:t>
             </a:fld>
             <a:endParaRPr lang="it-IT"/>
           </a:p>
@@ -2498,7 +2498,7 @@
           <a:p>
             <a:fld id="{20C4E752-2741-4535-BEB8-C53172E5FED5}" type="datetimeFigureOut">
               <a:rPr lang="it-IT" smtClean="0"/>
-              <a:t>09/06/2022</a:t>
+              <a:t>10/06/2022</a:t>
             </a:fld>
             <a:endParaRPr lang="it-IT"/>
           </a:p>
@@ -2616,7 +2616,7 @@
           <a:p>
             <a:fld id="{20C4E752-2741-4535-BEB8-C53172E5FED5}" type="datetimeFigureOut">
               <a:rPr lang="it-IT" smtClean="0"/>
-              <a:t>09/06/2022</a:t>
+              <a:t>10/06/2022</a:t>
             </a:fld>
             <a:endParaRPr lang="it-IT"/>
           </a:p>
@@ -2787,7 +2787,7 @@
           <a:p>
             <a:fld id="{20C4E752-2741-4535-BEB8-C53172E5FED5}" type="datetimeFigureOut">
               <a:rPr lang="it-IT" smtClean="0"/>
-              <a:t>09/06/2022</a:t>
+              <a:t>10/06/2022</a:t>
             </a:fld>
             <a:endParaRPr lang="it-IT"/>
           </a:p>
@@ -3141,7 +3141,7 @@
           <a:p>
             <a:fld id="{20C4E752-2741-4535-BEB8-C53172E5FED5}" type="datetimeFigureOut">
               <a:rPr lang="it-IT" smtClean="0"/>
-              <a:t>09/06/2022</a:t>
+              <a:t>10/06/2022</a:t>
             </a:fld>
             <a:endParaRPr lang="it-IT"/>
           </a:p>
@@ -3523,7 +3523,7 @@
           <a:p>
             <a:fld id="{20C4E752-2741-4535-BEB8-C53172E5FED5}" type="datetimeFigureOut">
               <a:rPr lang="it-IT" smtClean="0"/>
-              <a:t>09/06/2022</a:t>
+              <a:t>10/06/2022</a:t>
             </a:fld>
             <a:endParaRPr lang="it-IT"/>
           </a:p>
@@ -3810,7 +3810,7 @@
           <a:p>
             <a:fld id="{20C4E752-2741-4535-BEB8-C53172E5FED5}" type="datetimeFigureOut">
               <a:rPr lang="it-IT" smtClean="0"/>
-              <a:t>09/06/2022</a:t>
+              <a:t>10/06/2022</a:t>
             </a:fld>
             <a:endParaRPr lang="it-IT"/>
           </a:p>
@@ -6111,6 +6111,78 @@
           <a:chExt cx="0" cy="0"/>
         </a:xfrm>
       </p:grpSpPr>
+      <p:pic>
+        <p:nvPicPr>
+          <p:cNvPr id="13" name="Immagine 12">
+            <a:extLst>
+              <a:ext uri="{FF2B5EF4-FFF2-40B4-BE49-F238E27FC236}">
+                <a16:creationId xmlns:a16="http://schemas.microsoft.com/office/drawing/2014/main" id="{9561CFB3-760C-D26E-65BC-72804FD2B14F}"/>
+              </a:ext>
+            </a:extLst>
+          </p:cNvPr>
+          <p:cNvPicPr>
+            <a:picLocks noChangeAspect="1"/>
+          </p:cNvPicPr>
+          <p:nvPr/>
+        </p:nvPicPr>
+        <p:blipFill>
+          <a:blip r:embed="rId2">
+            <a:extLst>
+              <a:ext uri="{28A0092B-C50C-407E-A947-70E740481C1C}">
+                <a14:useLocalDpi xmlns:a14="http://schemas.microsoft.com/office/drawing/2010/main" val="0"/>
+              </a:ext>
+            </a:extLst>
+          </a:blip>
+          <a:stretch>
+            <a:fillRect/>
+          </a:stretch>
+        </p:blipFill>
+        <p:spPr>
+          <a:xfrm>
+            <a:off x="66675" y="19552"/>
+            <a:ext cx="12058650" cy="5777442"/>
+          </a:xfrm>
+          <a:prstGeom prst="rect">
+            <a:avLst/>
+          </a:prstGeom>
+        </p:spPr>
+      </p:pic>
+      <p:pic>
+        <p:nvPicPr>
+          <p:cNvPr id="9" name="Immagine 8">
+            <a:extLst>
+              <a:ext uri="{FF2B5EF4-FFF2-40B4-BE49-F238E27FC236}">
+                <a16:creationId xmlns:a16="http://schemas.microsoft.com/office/drawing/2014/main" id="{C8F0CB6A-8265-ECFF-AB6C-847AACFAF26B}"/>
+              </a:ext>
+            </a:extLst>
+          </p:cNvPr>
+          <p:cNvPicPr>
+            <a:picLocks noChangeAspect="1"/>
+          </p:cNvPicPr>
+          <p:nvPr/>
+        </p:nvPicPr>
+        <p:blipFill>
+          <a:blip r:embed="rId3">
+            <a:extLst>
+              <a:ext uri="{28A0092B-C50C-407E-A947-70E740481C1C}">
+                <a14:useLocalDpi xmlns:a14="http://schemas.microsoft.com/office/drawing/2010/main" val="0"/>
+              </a:ext>
+            </a:extLst>
+          </a:blip>
+          <a:stretch>
+            <a:fillRect/>
+          </a:stretch>
+        </p:blipFill>
+        <p:spPr>
+          <a:xfrm>
+            <a:off x="379403" y="2942875"/>
+            <a:ext cx="6095999" cy="3034592"/>
+          </a:xfrm>
+          <a:prstGeom prst="rect">
+            <a:avLst/>
+          </a:prstGeom>
+        </p:spPr>
+      </p:pic>
       <p:sp>
         <p:nvSpPr>
           <p:cNvPr id="2" name="Titolo 1">
@@ -6127,7 +6199,12 @@
             <p:ph type="title"/>
           </p:nvPr>
         </p:nvSpPr>
-        <p:spPr/>
+        <p:spPr>
+          <a:xfrm>
+            <a:off x="757989" y="200025"/>
+            <a:ext cx="10058400" cy="931614"/>
+          </a:xfrm>
+        </p:spPr>
         <p:txBody>
           <a:bodyPr/>
           <a:lstStyle/>
@@ -6157,25 +6234,23 @@
         </p:nvSpPr>
         <p:spPr>
           <a:xfrm>
-            <a:off x="757989" y="1845734"/>
-            <a:ext cx="10397691" cy="4023360"/>
+            <a:off x="757989" y="1458061"/>
+            <a:ext cx="10819722" cy="1455867"/>
           </a:xfrm>
         </p:spPr>
         <p:txBody>
-          <a:bodyPr/>
+          <a:bodyPr>
+            <a:normAutofit/>
+          </a:bodyPr>
           <a:lstStyle/>
           <a:p>
             <a:r>
-              <a:rPr lang="it-IT" dirty="0"/>
-              <a:t>Rumore preso sia sul </a:t>
-            </a:r>
-            <a:r>
-              <a:rPr lang="it-IT"/>
-              <a:t>woofer che </a:t>
-            </a:r>
-            <a:r>
-              <a:rPr lang="it-IT" dirty="0"/>
-              <a:t>sul tweeter:</a:t>
+              <a:rPr lang="it-IT" dirty="0">
+                <a:solidFill>
+                  <a:schemeClr val="tx1"/>
+                </a:solidFill>
+              </a:rPr>
+              <a:t>Rumore preso sia sul woofer che sul tweeter:</a:t>
             </a:r>
           </a:p>
           <a:p>
@@ -6184,28 +6259,135 @@
               <a:buChar char="Ø"/>
             </a:pPr>
             <a:r>
-              <a:rPr lang="it-IT" sz="1600" dirty="0"/>
-              <a:t>Analizziamo con </a:t>
-            </a:r>
-            <a:r>
-              <a:rPr lang="it-IT" sz="1600" dirty="0" err="1"/>
-              <a:t>Labview</a:t>
-            </a:r>
-            <a:r>
-              <a:rPr lang="it-IT" sz="1600" dirty="0"/>
-              <a:t> l’ampiezza in funzione della frequenza a frequenza costante e pari alla frequenza di crossover attesa.</a:t>
-            </a:r>
-            <a:endParaRPr lang="it-IT" dirty="0"/>
-          </a:p>
-          <a:p>
-            <a:pPr lvl="1">
-              <a:buFont typeface="Arial" panose="020B0604020202020204" pitchFamily="34" charset="0"/>
-              <a:buChar char="•"/>
+              <a:rPr lang="it-IT" sz="1800" dirty="0">
+                <a:solidFill>
+                  <a:schemeClr val="tx1"/>
+                </a:solidFill>
+              </a:rPr>
+              <a:t> Abbiamo alimentato il circuito con una frequenza costante vicino a quella di crossover e analizzato con </a:t>
+            </a:r>
+            <a:r>
+              <a:rPr lang="it-IT" sz="1800" dirty="0" err="1">
+                <a:solidFill>
+                  <a:schemeClr val="tx1"/>
+                </a:solidFill>
+              </a:rPr>
+              <a:t>labview</a:t>
+            </a:r>
+            <a:r>
+              <a:rPr lang="it-IT" sz="1800">
+                <a:solidFill>
+                  <a:schemeClr val="tx1"/>
+                </a:solidFill>
+              </a:rPr>
+              <a:t> l’ampiezza in </a:t>
+            </a:r>
+            <a:r>
+              <a:rPr lang="it-IT" sz="1800" dirty="0">
+                <a:solidFill>
+                  <a:schemeClr val="tx1"/>
+                </a:solidFill>
+              </a:rPr>
+              <a:t>funzione della frequenza.</a:t>
+            </a:r>
+          </a:p>
+          <a:p>
+            <a:pPr marL="384048" lvl="2" indent="0">
+              <a:buNone/>
             </a:pPr>
-            <a:endParaRPr lang="it-IT" dirty="0"/>
-          </a:p>
-        </p:txBody>
-      </p:sp>
+            <a:r>
+              <a:rPr lang="it-IT" sz="1800" dirty="0">
+                <a:solidFill>
+                  <a:schemeClr val="tx1"/>
+                </a:solidFill>
+              </a:rPr>
+              <a:t>Le oscillazioni sulla frequenza sono state trascurate.</a:t>
+            </a:r>
+          </a:p>
+          <a:p>
+            <a:pPr marL="384048" lvl="2" indent="0">
+              <a:buNone/>
+            </a:pPr>
+            <a:endParaRPr lang="it-IT" sz="1800" dirty="0">
+              <a:solidFill>
+                <a:schemeClr val="tx1"/>
+              </a:solidFill>
+            </a:endParaRPr>
+          </a:p>
+        </p:txBody>
+      </p:sp>
+      <p:pic>
+        <p:nvPicPr>
+          <p:cNvPr id="11" name="Immagine 10">
+            <a:extLst>
+              <a:ext uri="{FF2B5EF4-FFF2-40B4-BE49-F238E27FC236}">
+                <a16:creationId xmlns:a16="http://schemas.microsoft.com/office/drawing/2014/main" id="{11BF79F7-C908-42EF-2828-3DC1BD72E3DB}"/>
+              </a:ext>
+            </a:extLst>
+          </p:cNvPr>
+          <p:cNvPicPr>
+            <a:picLocks noChangeAspect="1"/>
+          </p:cNvPicPr>
+          <p:nvPr/>
+        </p:nvPicPr>
+        <p:blipFill>
+          <a:blip r:embed="rId4">
+            <a:extLst>
+              <a:ext uri="{28A0092B-C50C-407E-A947-70E740481C1C}">
+                <a14:useLocalDpi xmlns:a14="http://schemas.microsoft.com/office/drawing/2010/main" val="0"/>
+              </a:ext>
+            </a:extLst>
+          </a:blip>
+          <a:stretch>
+            <a:fillRect/>
+          </a:stretch>
+        </p:blipFill>
+        <p:spPr>
+          <a:xfrm>
+            <a:off x="5956834" y="2942875"/>
+            <a:ext cx="6095999" cy="3034592"/>
+          </a:xfrm>
+          <a:prstGeom prst="rect">
+            <a:avLst/>
+          </a:prstGeom>
+        </p:spPr>
+      </p:pic>
+      <p:cxnSp>
+        <p:nvCxnSpPr>
+          <p:cNvPr id="14" name="Connettore diritto 13">
+            <a:extLst>
+              <a:ext uri="{FF2B5EF4-FFF2-40B4-BE49-F238E27FC236}">
+                <a16:creationId xmlns:a16="http://schemas.microsoft.com/office/drawing/2014/main" id="{FE98EEDA-2CA4-F957-70E2-ADB492A37812}"/>
+              </a:ext>
+            </a:extLst>
+          </p:cNvPr>
+          <p:cNvCxnSpPr/>
+          <p:nvPr/>
+        </p:nvCxnSpPr>
+        <p:spPr>
+          <a:xfrm>
+            <a:off x="717452" y="1160585"/>
+            <a:ext cx="10536702" cy="0"/>
+          </a:xfrm>
+          <a:prstGeom prst="line">
+            <a:avLst/>
+          </a:prstGeom>
+        </p:spPr>
+        <p:style>
+          <a:lnRef idx="2">
+            <a:schemeClr val="accent6"/>
+          </a:lnRef>
+          <a:fillRef idx="0">
+            <a:schemeClr val="accent6"/>
+          </a:fillRef>
+          <a:effectRef idx="1">
+            <a:schemeClr val="accent6"/>
+          </a:effectRef>
+          <a:fontRef idx="minor">
+            <a:schemeClr val="tx1"/>
+          </a:fontRef>
+        </p:style>
+      </p:cxnSp>
     </p:spTree>
     <p:extLst>
       <p:ext uri="{BB962C8B-B14F-4D97-AF65-F5344CB8AC3E}">
